--- a/output/preanalysis.pptx
+++ b/output/preanalysis.pptx
@@ -3160,7 +3160,7 @@
                 </a:solidFill>
                 <a:latin typeface="Meiryo"/>
               </a:rPr>
-              <a:t>2022-06-24</a:t>
+              <a:t>2022-06-25</a:t>
             </a:r>
           </a:p>
         </p:txBody>

--- a/output/preanalysis.pptx
+++ b/output/preanalysis.pptx
@@ -13,6 +13,7 @@
     <p:sldId id="261" r:id="rId12"/>
     <p:sldId id="262" r:id="rId13"/>
     <p:sldId id="263" r:id="rId14"/>
+    <p:sldId id="264" r:id="rId15"/>
   </p:sldIdLst>
   <p:sldSz cx="12192000" cy="6858000" type="screen4x3"/>
   <p:notesSz cx="6858000" cy="9144000"/>
@@ -3160,7 +3161,7 @@
                 </a:solidFill>
                 <a:latin typeface="Meiryo"/>
               </a:rPr>
-              <a:t>2022-06-25</a:t>
+              <a:t>2022-06-26</a:t>
             </a:r>
           </a:p>
         </p:txBody>
@@ -3347,8 +3348,8 @@
         </p:blipFill>
         <p:spPr>
           <a:xfrm>
-            <a:off x="3048000" y="1353623"/>
-            <a:ext cx="3048000" cy="2299092"/>
+            <a:off x="3048000" y="1342912"/>
+            <a:ext cx="3048000" cy="2320515"/>
           </a:xfrm>
           <a:prstGeom prst="rect">
             <a:avLst/>
@@ -3583,8 +3584,8 @@
         </p:blipFill>
         <p:spPr>
           <a:xfrm>
-            <a:off x="4572000" y="4384191"/>
-            <a:ext cx="3048000" cy="2272996"/>
+            <a:off x="4572000" y="4360432"/>
+            <a:ext cx="3048000" cy="2320515"/>
           </a:xfrm>
           <a:prstGeom prst="rect">
             <a:avLst/>
@@ -3733,7 +3734,7 @@
                 </a:solidFill>
                 <a:latin typeface="Meiryo"/>
               </a:rPr>
-              <a:t>Co foil 0001-r0003</a:t>
+              <a:t>Co foil 0001</a:t>
             </a:r>
           </a:p>
         </p:txBody>
@@ -3808,8 +3809,8 @@
         </p:blipFill>
         <p:spPr>
           <a:xfrm>
-            <a:off x="0" y="1527898"/>
-            <a:ext cx="3048000" cy="1950542"/>
+            <a:off x="0" y="1532342"/>
+            <a:ext cx="3048000" cy="1941655"/>
           </a:xfrm>
           <a:prstGeom prst="rect">
             <a:avLst/>
@@ -3867,8 +3868,8 @@
         </p:blipFill>
         <p:spPr>
           <a:xfrm>
-            <a:off x="3048000" y="1358860"/>
-            <a:ext cx="3048000" cy="2288618"/>
+            <a:off x="3048000" y="1342912"/>
+            <a:ext cx="3048000" cy="2320515"/>
           </a:xfrm>
           <a:prstGeom prst="rect">
             <a:avLst/>
@@ -3985,8 +3986,8 @@
         </p:blipFill>
         <p:spPr>
           <a:xfrm>
-            <a:off x="9144000" y="1358860"/>
-            <a:ext cx="3048000" cy="2288618"/>
+            <a:off x="9144000" y="1350941"/>
+            <a:ext cx="3048000" cy="2304456"/>
           </a:xfrm>
           <a:prstGeom prst="rect">
             <a:avLst/>
@@ -4044,8 +4045,8 @@
         </p:blipFill>
         <p:spPr>
           <a:xfrm>
-            <a:off x="1524000" y="4401382"/>
-            <a:ext cx="3048000" cy="2238615"/>
+            <a:off x="1524000" y="4384191"/>
+            <a:ext cx="3048000" cy="2272996"/>
           </a:xfrm>
           <a:prstGeom prst="rect">
             <a:avLst/>
@@ -4103,8 +4104,8 @@
         </p:blipFill>
         <p:spPr>
           <a:xfrm>
-            <a:off x="4572000" y="4384191"/>
-            <a:ext cx="3048000" cy="2272996"/>
+            <a:off x="4572000" y="4368461"/>
+            <a:ext cx="3048000" cy="2304456"/>
           </a:xfrm>
           <a:prstGeom prst="rect">
             <a:avLst/>
@@ -4162,8 +4163,8 @@
         </p:blipFill>
         <p:spPr>
           <a:xfrm>
-            <a:off x="7620000" y="4384191"/>
-            <a:ext cx="3048000" cy="2272996"/>
+            <a:off x="7620000" y="4381591"/>
+            <a:ext cx="3048000" cy="2278197"/>
           </a:xfrm>
           <a:prstGeom prst="rect">
             <a:avLst/>
@@ -4253,7 +4254,7 @@
                 </a:solidFill>
                 <a:latin typeface="Meiryo"/>
               </a:rPr>
-              <a:t>Co foil 0001</a:t>
+              <a:t>Co foil 0002</a:t>
             </a:r>
           </a:p>
         </p:txBody>
@@ -4328,8 +4329,8 @@
         </p:blipFill>
         <p:spPr>
           <a:xfrm>
-            <a:off x="0" y="1532342"/>
-            <a:ext cx="3048000" cy="1941655"/>
+            <a:off x="0" y="1544913"/>
+            <a:ext cx="3048000" cy="1916512"/>
           </a:xfrm>
           <a:prstGeom prst="rect">
             <a:avLst/>
@@ -4387,8 +4388,8 @@
         </p:blipFill>
         <p:spPr>
           <a:xfrm>
-            <a:off x="3048000" y="1342912"/>
-            <a:ext cx="3048000" cy="2320515"/>
+            <a:off x="3048000" y="1358860"/>
+            <a:ext cx="3048000" cy="2288618"/>
           </a:xfrm>
           <a:prstGeom prst="rect">
             <a:avLst/>
@@ -4623,8 +4624,8 @@
         </p:blipFill>
         <p:spPr>
           <a:xfrm>
-            <a:off x="4572000" y="4384191"/>
-            <a:ext cx="3048000" cy="2272996"/>
+            <a:off x="4572000" y="4401382"/>
+            <a:ext cx="3048000" cy="2238615"/>
           </a:xfrm>
           <a:prstGeom prst="rect">
             <a:avLst/>
@@ -4682,8 +4683,8 @@
         </p:blipFill>
         <p:spPr>
           <a:xfrm>
-            <a:off x="7620000" y="4381591"/>
-            <a:ext cx="3048000" cy="2278197"/>
+            <a:off x="7620000" y="4384191"/>
+            <a:ext cx="3048000" cy="2272996"/>
           </a:xfrm>
           <a:prstGeom prst="rect">
             <a:avLst/>
@@ -4773,7 +4774,7 @@
                 </a:solidFill>
                 <a:latin typeface="Meiryo"/>
               </a:rPr>
-              <a:t>Co foil 0002</a:t>
+              <a:t>Co foil 0003</a:t>
             </a:r>
           </a:p>
         </p:txBody>
@@ -5143,8 +5144,8 @@
         </p:blipFill>
         <p:spPr>
           <a:xfrm>
-            <a:off x="4572000" y="4368461"/>
-            <a:ext cx="3048000" cy="2304456"/>
+            <a:off x="4572000" y="4376380"/>
+            <a:ext cx="3048000" cy="2288618"/>
           </a:xfrm>
           <a:prstGeom prst="rect">
             <a:avLst/>
@@ -5293,7 +5294,7 @@
                 </a:solidFill>
                 <a:latin typeface="Meiryo"/>
               </a:rPr>
-              <a:t>Co foil 0003</a:t>
+              <a:t>Co foil 0004</a:t>
             </a:r>
           </a:p>
         </p:txBody>
@@ -5427,8 +5428,8 @@
         </p:blipFill>
         <p:spPr>
           <a:xfrm>
-            <a:off x="3048000" y="1376286"/>
-            <a:ext cx="3048000" cy="2253766"/>
+            <a:off x="3048000" y="1358860"/>
+            <a:ext cx="3048000" cy="2288618"/>
           </a:xfrm>
           <a:prstGeom prst="rect">
             <a:avLst/>
@@ -5663,8 +5664,8 @@
         </p:blipFill>
         <p:spPr>
           <a:xfrm>
-            <a:off x="4572000" y="4360432"/>
-            <a:ext cx="3048000" cy="2320515"/>
+            <a:off x="4572000" y="4366464"/>
+            <a:ext cx="3048000" cy="2308450"/>
           </a:xfrm>
           <a:prstGeom prst="rect">
             <a:avLst/>
@@ -5813,7 +5814,7 @@
                 </a:solidFill>
                 <a:latin typeface="Meiryo"/>
               </a:rPr>
-              <a:t>Co foil 0004</a:t>
+              <a:t>Co foil 0005</a:t>
             </a:r>
           </a:p>
         </p:txBody>
@@ -6183,8 +6184,8 @@
         </p:blipFill>
         <p:spPr>
           <a:xfrm>
-            <a:off x="4572000" y="4384191"/>
-            <a:ext cx="3048000" cy="2272996"/>
+            <a:off x="4572000" y="4360432"/>
+            <a:ext cx="3048000" cy="2320515"/>
           </a:xfrm>
           <a:prstGeom prst="rect">
             <a:avLst/>
@@ -6333,7 +6334,7 @@
                 </a:solidFill>
                 <a:latin typeface="Meiryo"/>
               </a:rPr>
-              <a:t>Co foil 0005</a:t>
+              <a:t>all</a:t>
             </a:r>
           </a:p>
         </p:txBody>
@@ -6394,7 +6395,7 @@
       </p:sp>
       <p:pic>
         <p:nvPicPr>
-          <p:cNvPr id="4" name="Picture 3" descr="01_TRF Plot.png"/>
+          <p:cNvPr id="4" name="Picture 3" descr="Fluorescence (-30 to 50eV).png"/>
           <p:cNvPicPr>
             <a:picLocks noChangeAspect="1"/>
           </p:cNvPicPr>
@@ -6408,8 +6409,8 @@
         </p:blipFill>
         <p:spPr>
           <a:xfrm>
-            <a:off x="0" y="1544913"/>
-            <a:ext cx="3048000" cy="1916512"/>
+            <a:off x="250960" y="1165860"/>
+            <a:ext cx="3562079" cy="2674620"/>
           </a:xfrm>
           <a:prstGeom prst="rect">
             <a:avLst/>
@@ -6425,7 +6426,7 @@
         <p:spPr>
           <a:xfrm>
             <a:off x="0" y="822960"/>
-            <a:ext cx="3048000" cy="342900"/>
+            <a:ext cx="4064000" cy="342900"/>
           </a:xfrm>
           <a:prstGeom prst="rect">
             <a:avLst/>
@@ -6446,14 +6447,14 @@
                 </a:solidFill>
                 <a:latin typeface="Meiryo"/>
               </a:rPr>
-              <a:t>TRF Plot</a:t>
+              <a:t>Fluorescence (-30 to 50eV)</a:t>
             </a:r>
           </a:p>
         </p:txBody>
       </p:sp>
       <p:pic>
         <p:nvPicPr>
-          <p:cNvPr id="6" name="Picture 5" descr="Fluorescence normalized.png"/>
+          <p:cNvPr id="6" name="Picture 5" descr="Fluorescence all region.png"/>
           <p:cNvPicPr>
             <a:picLocks noChangeAspect="1"/>
           </p:cNvPicPr>
@@ -6467,8 +6468,8 @@
         </p:blipFill>
         <p:spPr>
           <a:xfrm>
-            <a:off x="3048000" y="1358860"/>
-            <a:ext cx="3048000" cy="2288618"/>
+            <a:off x="4314960" y="1165860"/>
+            <a:ext cx="3562079" cy="2674620"/>
           </a:xfrm>
           <a:prstGeom prst="rect">
             <a:avLst/>
@@ -6483,8 +6484,8 @@
         </p:nvSpPr>
         <p:spPr>
           <a:xfrm>
-            <a:off x="3048000" y="822960"/>
-            <a:ext cx="3048000" cy="342900"/>
+            <a:off x="4064000" y="822960"/>
+            <a:ext cx="4064000" cy="342900"/>
           </a:xfrm>
           <a:prstGeom prst="rect">
             <a:avLst/>
@@ -6505,14 +6506,14 @@
                 </a:solidFill>
                 <a:latin typeface="Meiryo"/>
               </a:rPr>
-              <a:t>Fluorescence normalized</a:t>
+              <a:t>Fluorescence all region</a:t>
             </a:r>
           </a:p>
         </p:txBody>
       </p:sp>
       <p:pic>
         <p:nvPicPr>
-          <p:cNvPr id="8" name="Picture 7" descr="Fluorescence.png"/>
+          <p:cNvPr id="8" name="Picture 7" descr="Reference (-30 to 50eV).png"/>
           <p:cNvPicPr>
             <a:picLocks noChangeAspect="1"/>
           </p:cNvPicPr>
@@ -6526,8 +6527,8 @@
         </p:blipFill>
         <p:spPr>
           <a:xfrm>
-            <a:off x="6096000" y="1366671"/>
-            <a:ext cx="3048000" cy="2272996"/>
+            <a:off x="8391200" y="1165860"/>
+            <a:ext cx="3537598" cy="2674620"/>
           </a:xfrm>
           <a:prstGeom prst="rect">
             <a:avLst/>
@@ -6542,8 +6543,8 @@
         </p:nvSpPr>
         <p:spPr>
           <a:xfrm>
-            <a:off x="6096000" y="822960"/>
-            <a:ext cx="3048000" cy="342900"/>
+            <a:off x="8128000" y="822960"/>
+            <a:ext cx="4064000" cy="342900"/>
           </a:xfrm>
           <a:prstGeom prst="rect">
             <a:avLst/>
@@ -6564,14 +6565,14 @@
                 </a:solidFill>
                 <a:latin typeface="Meiryo"/>
               </a:rPr>
-              <a:t>Fluorescence</a:t>
+              <a:t>Reference (-30 to 50eV)</a:t>
             </a:r>
           </a:p>
         </p:txBody>
       </p:sp>
       <p:pic>
         <p:nvPicPr>
-          <p:cNvPr id="10" name="Picture 9" descr="Reference normalized.png"/>
+          <p:cNvPr id="10" name="Picture 9" descr="Reference all region.png"/>
           <p:cNvPicPr>
             <a:picLocks noChangeAspect="1"/>
           </p:cNvPicPr>
@@ -6585,8 +6586,8 @@
         </p:blipFill>
         <p:spPr>
           <a:xfrm>
-            <a:off x="9144000" y="1350941"/>
-            <a:ext cx="3048000" cy="2304456"/>
+            <a:off x="263200" y="4183380"/>
+            <a:ext cx="3537598" cy="2674620"/>
           </a:xfrm>
           <a:prstGeom prst="rect">
             <a:avLst/>
@@ -6601,8 +6602,8 @@
         </p:nvSpPr>
         <p:spPr>
           <a:xfrm>
-            <a:off x="9144000" y="822960"/>
-            <a:ext cx="3048000" cy="342900"/>
+            <a:off x="0" y="3840480"/>
+            <a:ext cx="4064000" cy="342900"/>
           </a:xfrm>
           <a:prstGeom prst="rect">
             <a:avLst/>
@@ -6623,14 +6624,14 @@
                 </a:solidFill>
                 <a:latin typeface="Meiryo"/>
               </a:rPr>
-              <a:t>Reference normalized</a:t>
+              <a:t>Reference all region</a:t>
             </a:r>
           </a:p>
         </p:txBody>
       </p:sp>
       <p:pic>
         <p:nvPicPr>
-          <p:cNvPr id="12" name="Picture 11" descr="Reference.png"/>
+          <p:cNvPr id="12" name="Picture 11" descr="Transmission (-30 to 50eV).png"/>
           <p:cNvPicPr>
             <a:picLocks noChangeAspect="1"/>
           </p:cNvPicPr>
@@ -6644,8 +6645,8 @@
         </p:blipFill>
         <p:spPr>
           <a:xfrm>
-            <a:off x="1524000" y="4384191"/>
-            <a:ext cx="3048000" cy="2272996"/>
+            <a:off x="4314960" y="4183380"/>
+            <a:ext cx="3562079" cy="2674620"/>
           </a:xfrm>
           <a:prstGeom prst="rect">
             <a:avLst/>
@@ -6660,8 +6661,8 @@
         </p:nvSpPr>
         <p:spPr>
           <a:xfrm>
-            <a:off x="1524000" y="3840480"/>
-            <a:ext cx="3048000" cy="342900"/>
+            <a:off x="4064000" y="3840480"/>
+            <a:ext cx="4064000" cy="342900"/>
           </a:xfrm>
           <a:prstGeom prst="rect">
             <a:avLst/>
@@ -6682,14 +6683,14 @@
                 </a:solidFill>
                 <a:latin typeface="Meiryo"/>
               </a:rPr>
-              <a:t>Reference</a:t>
+              <a:t>Transmission (-30 to 50eV)</a:t>
             </a:r>
           </a:p>
         </p:txBody>
       </p:sp>
       <p:pic>
         <p:nvPicPr>
-          <p:cNvPr id="14" name="Picture 13" descr="Transmission normalized.png"/>
+          <p:cNvPr id="14" name="Picture 13" descr="Transmission all region.png"/>
           <p:cNvPicPr>
             <a:picLocks noChangeAspect="1"/>
           </p:cNvPicPr>
@@ -6703,8 +6704,8 @@
         </p:blipFill>
         <p:spPr>
           <a:xfrm>
-            <a:off x="4572000" y="4360432"/>
-            <a:ext cx="3048000" cy="2320515"/>
+            <a:off x="8378960" y="4183380"/>
+            <a:ext cx="3562079" cy="2674620"/>
           </a:xfrm>
           <a:prstGeom prst="rect">
             <a:avLst/>
@@ -6719,8 +6720,8 @@
         </p:nvSpPr>
         <p:spPr>
           <a:xfrm>
-            <a:off x="4572000" y="3840480"/>
-            <a:ext cx="3048000" cy="342900"/>
+            <a:off x="8128000" y="3840480"/>
+            <a:ext cx="4064000" cy="342900"/>
           </a:xfrm>
           <a:prstGeom prst="rect">
             <a:avLst/>
@@ -6741,14 +6742,475 @@
                 </a:solidFill>
                 <a:latin typeface="Meiryo"/>
               </a:rPr>
-              <a:t>Transmission normalized</a:t>
-            </a:r>
+              <a:t>Transmission all region</a:t>
+            </a:r>
+          </a:p>
+        </p:txBody>
+      </p:sp>
+    </p:spTree>
+  </p:cSld>
+  <p:clrMapOvr>
+    <a:masterClrMapping/>
+  </p:clrMapOvr>
+</p:sld>
+</file>
+
+<file path=ppt/slides/slide9.xml><?xml version="1.0" encoding="utf-8"?>
+<p:sld xmlns:a="http://schemas.openxmlformats.org/drawingml/2006/main" xmlns:p="http://schemas.openxmlformats.org/presentationml/2006/main" xmlns:r="http://schemas.openxmlformats.org/officeDocument/2006/relationships">
+  <p:cSld>
+    <p:spTree>
+      <p:nvGrpSpPr>
+        <p:cNvPr id="1" name=""/>
+        <p:cNvGrpSpPr/>
+        <p:nvPr/>
+      </p:nvGrpSpPr>
+      <p:grpSpPr/>
+      <p:sp>
+        <p:nvSpPr>
+          <p:cNvPr id="2" name="TextBox 1"/>
+          <p:cNvSpPr txBox="1"/>
+          <p:nvPr/>
+        </p:nvSpPr>
+        <p:spPr>
+          <a:xfrm>
+            <a:off x="121920" y="137160"/>
+            <a:ext cx="11582400" cy="342900"/>
+          </a:xfrm>
+          <a:prstGeom prst="rect">
+            <a:avLst/>
+          </a:prstGeom>
+          <a:noFill/>
+        </p:spPr>
+        <p:txBody>
+          <a:bodyPr wrap="square" anchor="t">
+            <a:spAutoFit/>
+          </a:bodyPr>
+          <a:lstStyle/>
+          <a:p>
+            <a:pPr algn="l"/>
+            <a:r>
+              <a:rPr sz="3000" b="1" i="0" u="none">
+                <a:solidFill>
+                  <a:srgbClr val="404040"/>
+                </a:solidFill>
+                <a:latin typeface="Meiryo"/>
+              </a:rPr>
+              <a:t>merge</a:t>
+            </a:r>
+          </a:p>
+        </p:txBody>
+      </p:sp>
+      <p:sp>
+        <p:nvSpPr>
+          <p:cNvPr id="3" name="Rectangle 2"/>
+          <p:cNvSpPr/>
+          <p:nvPr/>
+        </p:nvSpPr>
+        <p:spPr>
+          <a:xfrm>
+            <a:off x="0" y="685800"/>
+            <a:ext cx="12192000" cy="137160"/>
+          </a:xfrm>
+          <a:prstGeom prst="rect">
+            <a:avLst/>
+          </a:prstGeom>
+          <a:gradFill rotWithShape="1">
+            <a:gsLst>
+              <a:gs pos="0">
+                <a:srgbClr val="E0E5F7"/>
+              </a:gs>
+              <a:gs pos="100000">
+                <a:srgbClr val="95ABEA"/>
+              </a:gs>
+            </a:gsLst>
+            <a:lin scaled="0" ang="0"/>
+          </a:gradFill>
+          <a:ln w="1">
+            <a:solidFill>
+              <a:srgbClr val="FFFFFF"/>
+            </a:solidFill>
+          </a:ln>
+          <a:effectLst/>
+        </p:spPr>
+        <p:style>
+          <a:lnRef idx="1">
+            <a:schemeClr val="accent1"/>
+          </a:lnRef>
+          <a:fillRef idx="3">
+            <a:schemeClr val="accent1"/>
+          </a:fillRef>
+          <a:effectRef idx="2">
+            <a:schemeClr val="accent1"/>
+          </a:effectRef>
+          <a:fontRef idx="minor">
+            <a:schemeClr val="lt1"/>
+          </a:fontRef>
+        </p:style>
+        <p:txBody>
+          <a:bodyPr rtlCol="0" anchor="ctr"/>
+          <a:lstStyle/>
+          <a:p>
+            <a:pPr algn="ctr"/>
           </a:p>
         </p:txBody>
       </p:sp>
       <p:pic>
         <p:nvPicPr>
-          <p:cNvPr id="16" name="Picture 15" descr="Transmission.png"/>
+          <p:cNvPr id="4" name="Picture 3" descr="01_TRF Plot.png"/>
+          <p:cNvPicPr>
+            <a:picLocks noChangeAspect="1"/>
+          </p:cNvPicPr>
+          <p:nvPr/>
+        </p:nvPicPr>
+        <p:blipFill>
+          <a:blip r:embed="rId2"/>
+          <a:stretch>
+            <a:fillRect/>
+          </a:stretch>
+        </p:blipFill>
+        <p:spPr>
+          <a:xfrm>
+            <a:off x="0" y="1544913"/>
+            <a:ext cx="3048000" cy="1916512"/>
+          </a:xfrm>
+          <a:prstGeom prst="rect">
+            <a:avLst/>
+          </a:prstGeom>
+        </p:spPr>
+      </p:pic>
+      <p:sp>
+        <p:nvSpPr>
+          <p:cNvPr id="5" name="TextBox 4"/>
+          <p:cNvSpPr txBox="1"/>
+          <p:nvPr/>
+        </p:nvSpPr>
+        <p:spPr>
+          <a:xfrm>
+            <a:off x="0" y="822960"/>
+            <a:ext cx="3048000" cy="342900"/>
+          </a:xfrm>
+          <a:prstGeom prst="rect">
+            <a:avLst/>
+          </a:prstGeom>
+          <a:noFill/>
+        </p:spPr>
+        <p:txBody>
+          <a:bodyPr wrap="square" anchor="ctr">
+            <a:spAutoFit/>
+          </a:bodyPr>
+          <a:lstStyle/>
+          <a:p>
+            <a:pPr algn="ctr"/>
+            <a:r>
+              <a:rPr sz="1800" b="0" i="0" u="sng">
+                <a:solidFill>
+                  <a:srgbClr val="404040"/>
+                </a:solidFill>
+                <a:latin typeface="Meiryo"/>
+              </a:rPr>
+              <a:t>TRF Plot</a:t>
+            </a:r>
+          </a:p>
+        </p:txBody>
+      </p:sp>
+      <p:pic>
+        <p:nvPicPr>
+          <p:cNvPr id="6" name="Picture 5" descr="Fluorescence k.png"/>
+          <p:cNvPicPr>
+            <a:picLocks noChangeAspect="1"/>
+          </p:cNvPicPr>
+          <p:nvPr/>
+        </p:nvPicPr>
+        <p:blipFill>
+          <a:blip r:embed="rId3"/>
+          <a:stretch>
+            <a:fillRect/>
+          </a:stretch>
+        </p:blipFill>
+        <p:spPr>
+          <a:xfrm>
+            <a:off x="3048000" y="1358248"/>
+            <a:ext cx="3048000" cy="2289842"/>
+          </a:xfrm>
+          <a:prstGeom prst="rect">
+            <a:avLst/>
+          </a:prstGeom>
+        </p:spPr>
+      </p:pic>
+      <p:sp>
+        <p:nvSpPr>
+          <p:cNvPr id="7" name="TextBox 6"/>
+          <p:cNvSpPr txBox="1"/>
+          <p:nvPr/>
+        </p:nvSpPr>
+        <p:spPr>
+          <a:xfrm>
+            <a:off x="3048000" y="822960"/>
+            <a:ext cx="3048000" cy="342900"/>
+          </a:xfrm>
+          <a:prstGeom prst="rect">
+            <a:avLst/>
+          </a:prstGeom>
+          <a:noFill/>
+        </p:spPr>
+        <p:txBody>
+          <a:bodyPr wrap="square" anchor="ctr">
+            <a:spAutoFit/>
+          </a:bodyPr>
+          <a:lstStyle/>
+          <a:p>
+            <a:pPr algn="ctr"/>
+            <a:r>
+              <a:rPr sz="1800" b="0" i="0" u="sng">
+                <a:solidFill>
+                  <a:srgbClr val="404040"/>
+                </a:solidFill>
+                <a:latin typeface="Meiryo"/>
+              </a:rPr>
+              <a:t>Fluorescence k</a:t>
+            </a:r>
+          </a:p>
+        </p:txBody>
+      </p:sp>
+      <p:pic>
+        <p:nvPicPr>
+          <p:cNvPr id="8" name="Picture 7" descr="Fluorescence normalized.png"/>
+          <p:cNvPicPr>
+            <a:picLocks noChangeAspect="1"/>
+          </p:cNvPicPr>
+          <p:nvPr/>
+        </p:nvPicPr>
+        <p:blipFill>
+          <a:blip r:embed="rId4"/>
+          <a:stretch>
+            <a:fillRect/>
+          </a:stretch>
+        </p:blipFill>
+        <p:spPr>
+          <a:xfrm>
+            <a:off x="6096000" y="1342912"/>
+            <a:ext cx="3048000" cy="2320515"/>
+          </a:xfrm>
+          <a:prstGeom prst="rect">
+            <a:avLst/>
+          </a:prstGeom>
+        </p:spPr>
+      </p:pic>
+      <p:sp>
+        <p:nvSpPr>
+          <p:cNvPr id="9" name="TextBox 8"/>
+          <p:cNvSpPr txBox="1"/>
+          <p:nvPr/>
+        </p:nvSpPr>
+        <p:spPr>
+          <a:xfrm>
+            <a:off x="6096000" y="822960"/>
+            <a:ext cx="3048000" cy="342900"/>
+          </a:xfrm>
+          <a:prstGeom prst="rect">
+            <a:avLst/>
+          </a:prstGeom>
+          <a:noFill/>
+        </p:spPr>
+        <p:txBody>
+          <a:bodyPr wrap="square" anchor="ctr">
+            <a:spAutoFit/>
+          </a:bodyPr>
+          <a:lstStyle/>
+          <a:p>
+            <a:pPr algn="ctr"/>
+            <a:r>
+              <a:rPr sz="1800" b="0" i="0" u="sng">
+                <a:solidFill>
+                  <a:srgbClr val="404040"/>
+                </a:solidFill>
+                <a:latin typeface="Meiryo"/>
+              </a:rPr>
+              <a:t>Fluorescence normalized</a:t>
+            </a:r>
+          </a:p>
+        </p:txBody>
+      </p:sp>
+      <p:pic>
+        <p:nvPicPr>
+          <p:cNvPr id="10" name="Picture 9" descr="Reference k.png"/>
+          <p:cNvPicPr>
+            <a:picLocks noChangeAspect="1"/>
+          </p:cNvPicPr>
+          <p:nvPr/>
+        </p:nvPicPr>
+        <p:blipFill>
+          <a:blip r:embed="rId5"/>
+          <a:stretch>
+            <a:fillRect/>
+          </a:stretch>
+        </p:blipFill>
+        <p:spPr>
+          <a:xfrm>
+            <a:off x="9144000" y="1324574"/>
+            <a:ext cx="3048000" cy="2357190"/>
+          </a:xfrm>
+          <a:prstGeom prst="rect">
+            <a:avLst/>
+          </a:prstGeom>
+        </p:spPr>
+      </p:pic>
+      <p:sp>
+        <p:nvSpPr>
+          <p:cNvPr id="11" name="TextBox 10"/>
+          <p:cNvSpPr txBox="1"/>
+          <p:nvPr/>
+        </p:nvSpPr>
+        <p:spPr>
+          <a:xfrm>
+            <a:off x="9144000" y="822960"/>
+            <a:ext cx="3048000" cy="342900"/>
+          </a:xfrm>
+          <a:prstGeom prst="rect">
+            <a:avLst/>
+          </a:prstGeom>
+          <a:noFill/>
+        </p:spPr>
+        <p:txBody>
+          <a:bodyPr wrap="square" anchor="ctr">
+            <a:spAutoFit/>
+          </a:bodyPr>
+          <a:lstStyle/>
+          <a:p>
+            <a:pPr algn="ctr"/>
+            <a:r>
+              <a:rPr sz="1800" b="0" i="0" u="sng">
+                <a:solidFill>
+                  <a:srgbClr val="404040"/>
+                </a:solidFill>
+                <a:latin typeface="Meiryo"/>
+              </a:rPr>
+              <a:t>Reference k</a:t>
+            </a:r>
+          </a:p>
+        </p:txBody>
+      </p:sp>
+      <p:pic>
+        <p:nvPicPr>
+          <p:cNvPr id="12" name="Picture 11" descr="Reference normalized.png"/>
+          <p:cNvPicPr>
+            <a:picLocks noChangeAspect="1"/>
+          </p:cNvPicPr>
+          <p:nvPr/>
+        </p:nvPicPr>
+        <p:blipFill>
+          <a:blip r:embed="rId6"/>
+          <a:stretch>
+            <a:fillRect/>
+          </a:stretch>
+        </p:blipFill>
+        <p:spPr>
+          <a:xfrm>
+            <a:off x="1524000" y="4368461"/>
+            <a:ext cx="3048000" cy="2304456"/>
+          </a:xfrm>
+          <a:prstGeom prst="rect">
+            <a:avLst/>
+          </a:prstGeom>
+        </p:spPr>
+      </p:pic>
+      <p:sp>
+        <p:nvSpPr>
+          <p:cNvPr id="13" name="TextBox 12"/>
+          <p:cNvSpPr txBox="1"/>
+          <p:nvPr/>
+        </p:nvSpPr>
+        <p:spPr>
+          <a:xfrm>
+            <a:off x="1524000" y="3840480"/>
+            <a:ext cx="3048000" cy="342900"/>
+          </a:xfrm>
+          <a:prstGeom prst="rect">
+            <a:avLst/>
+          </a:prstGeom>
+          <a:noFill/>
+        </p:spPr>
+        <p:txBody>
+          <a:bodyPr wrap="square" anchor="ctr">
+            <a:spAutoFit/>
+          </a:bodyPr>
+          <a:lstStyle/>
+          <a:p>
+            <a:pPr algn="ctr"/>
+            <a:r>
+              <a:rPr sz="1800" b="0" i="0" u="sng">
+                <a:solidFill>
+                  <a:srgbClr val="404040"/>
+                </a:solidFill>
+                <a:latin typeface="Meiryo"/>
+              </a:rPr>
+              <a:t>Reference normalized</a:t>
+            </a:r>
+          </a:p>
+        </p:txBody>
+      </p:sp>
+      <p:pic>
+        <p:nvPicPr>
+          <p:cNvPr id="14" name="Picture 13" descr="Transmission k.png"/>
+          <p:cNvPicPr>
+            <a:picLocks noChangeAspect="1"/>
+          </p:cNvPicPr>
+          <p:nvPr/>
+        </p:nvPicPr>
+        <p:blipFill>
+          <a:blip r:embed="rId7"/>
+          <a:stretch>
+            <a:fillRect/>
+          </a:stretch>
+        </p:blipFill>
+        <p:spPr>
+          <a:xfrm>
+            <a:off x="4572000" y="4375768"/>
+            <a:ext cx="3048000" cy="2289842"/>
+          </a:xfrm>
+          <a:prstGeom prst="rect">
+            <a:avLst/>
+          </a:prstGeom>
+        </p:spPr>
+      </p:pic>
+      <p:sp>
+        <p:nvSpPr>
+          <p:cNvPr id="15" name="TextBox 14"/>
+          <p:cNvSpPr txBox="1"/>
+          <p:nvPr/>
+        </p:nvSpPr>
+        <p:spPr>
+          <a:xfrm>
+            <a:off x="4572000" y="3840480"/>
+            <a:ext cx="3048000" cy="342900"/>
+          </a:xfrm>
+          <a:prstGeom prst="rect">
+            <a:avLst/>
+          </a:prstGeom>
+          <a:noFill/>
+        </p:spPr>
+        <p:txBody>
+          <a:bodyPr wrap="square" anchor="ctr">
+            <a:spAutoFit/>
+          </a:bodyPr>
+          <a:lstStyle/>
+          <a:p>
+            <a:pPr algn="ctr"/>
+            <a:r>
+              <a:rPr sz="1800" b="0" i="0" u="sng">
+                <a:solidFill>
+                  <a:srgbClr val="404040"/>
+                </a:solidFill>
+                <a:latin typeface="Meiryo"/>
+              </a:rPr>
+              <a:t>Transmission k</a:t>
+            </a:r>
+          </a:p>
+        </p:txBody>
+      </p:sp>
+      <p:pic>
+        <p:nvPicPr>
+          <p:cNvPr id="16" name="Picture 15" descr="Transmission normalized.png"/>
           <p:cNvPicPr>
             <a:picLocks noChangeAspect="1"/>
           </p:cNvPicPr>
@@ -6762,8 +7224,8 @@
         </p:blipFill>
         <p:spPr>
           <a:xfrm>
-            <a:off x="7620000" y="4381591"/>
-            <a:ext cx="3048000" cy="2278197"/>
+            <a:off x="7620000" y="4360432"/>
+            <a:ext cx="3048000" cy="2320515"/>
           </a:xfrm>
           <a:prstGeom prst="rect">
             <a:avLst/>
@@ -6800,7 +7262,7 @@
                 </a:solidFill>
                 <a:latin typeface="Meiryo"/>
               </a:rPr>
-              <a:t>Transmission</a:t>
+              <a:t>Transmission normalized</a:t>
             </a:r>
           </a:p>
         </p:txBody>
